--- a/ppt/ch1.pptx
+++ b/ppt/ch1.pptx
@@ -5,7 +5,7 @@
     <p:sldMasterId id="2147483648" r:id="rId1"/>
   </p:sldMasterIdLst>
   <p:notesMasterIdLst>
-    <p:notesMasterId r:id="rId25"/>
+    <p:notesMasterId r:id="rId26"/>
   </p:notesMasterIdLst>
   <p:sldIdLst>
     <p:sldId id="256" r:id="rId2"/>
@@ -25,12 +25,13 @@
     <p:sldId id="301" r:id="rId16"/>
     <p:sldId id="302" r:id="rId17"/>
     <p:sldId id="303" r:id="rId18"/>
-    <p:sldId id="304" r:id="rId19"/>
-    <p:sldId id="305" r:id="rId20"/>
-    <p:sldId id="306" r:id="rId21"/>
-    <p:sldId id="308" r:id="rId22"/>
-    <p:sldId id="309" r:id="rId23"/>
-    <p:sldId id="310" r:id="rId24"/>
+    <p:sldId id="317" r:id="rId19"/>
+    <p:sldId id="304" r:id="rId20"/>
+    <p:sldId id="305" r:id="rId21"/>
+    <p:sldId id="306" r:id="rId22"/>
+    <p:sldId id="308" r:id="rId23"/>
+    <p:sldId id="309" r:id="rId24"/>
+    <p:sldId id="310" r:id="rId25"/>
   </p:sldIdLst>
   <p:sldSz cx="12192000" cy="6858000"/>
   <p:notesSz cx="6858000" cy="9144000"/>
@@ -260,7 +261,7 @@
           <a:p>
             <a:fld id="{83108C84-95AC-4B04-A0D3-8607BD042ECD}" type="datetimeFigureOut">
               <a:rPr lang="zh-CN" altLang="en-US" smtClean="0"/>
-              <a:t>2018/9/3</a:t>
+              <a:t>2018/9/14</a:t>
             </a:fld>
             <a:endParaRPr lang="zh-CN" altLang="en-US"/>
           </a:p>
@@ -1198,161 +1199,6 @@
           <a:bodyPr/>
           <a:lstStyle/>
           <a:p>
-            <a:r>
-              <a:rPr lang="en-US" altLang="zh-CN" dirty="0" smtClean="0"/>
-              <a:t>Activity</a:t>
-            </a:r>
-            <a:r>
-              <a:rPr lang="zh-CN" altLang="en-US" dirty="0" smtClean="0"/>
-              <a:t>是</a:t>
-            </a:r>
-            <a:r>
-              <a:rPr lang="en-US" altLang="zh-CN" dirty="0" smtClean="0"/>
-              <a:t>Android</a:t>
-            </a:r>
-            <a:r>
-              <a:rPr lang="zh-CN" altLang="en-US" dirty="0" smtClean="0"/>
-              <a:t>应用中负责与用户交互的组件，</a:t>
-            </a:r>
-            <a:r>
-              <a:rPr lang="en-US" altLang="zh-CN" dirty="0" smtClean="0"/>
-              <a:t>Activity</a:t>
-            </a:r>
-            <a:r>
-              <a:rPr lang="zh-CN" altLang="en-US" dirty="0" smtClean="0"/>
-              <a:t>只能通过</a:t>
-            </a:r>
-            <a:r>
-              <a:rPr lang="en-US" altLang="zh-CN" dirty="0" err="1" smtClean="0"/>
-              <a:t>setContentView</a:t>
-            </a:r>
-            <a:r>
-              <a:rPr lang="en-US" altLang="zh-CN" dirty="0" smtClean="0"/>
-              <a:t>(View)</a:t>
-            </a:r>
-            <a:r>
-              <a:rPr lang="zh-CN" altLang="en-US" dirty="0" smtClean="0"/>
-              <a:t>来显示指定组件。</a:t>
-            </a:r>
-            <a:endParaRPr lang="en-US" altLang="zh-CN" dirty="0" smtClean="0"/>
-          </a:p>
-          <a:p>
-            <a:r>
-              <a:rPr lang="en-US" altLang="zh-CN" dirty="0" smtClean="0"/>
-              <a:t>View</a:t>
-            </a:r>
-            <a:r>
-              <a:rPr lang="zh-CN" altLang="en-US" dirty="0" smtClean="0"/>
-              <a:t>组件是所有</a:t>
-            </a:r>
-            <a:r>
-              <a:rPr lang="en-US" altLang="zh-CN" dirty="0" smtClean="0"/>
-              <a:t>UI</a:t>
-            </a:r>
-            <a:r>
-              <a:rPr lang="zh-CN" altLang="en-US" dirty="0" smtClean="0"/>
-              <a:t>控件、容器控件的基类，</a:t>
-            </a:r>
-            <a:r>
-              <a:rPr lang="en-US" altLang="zh-CN" dirty="0" smtClean="0"/>
-              <a:t>View</a:t>
-            </a:r>
-            <a:r>
-              <a:rPr lang="zh-CN" altLang="en-US" dirty="0" smtClean="0"/>
-              <a:t>组件就是</a:t>
-            </a:r>
-            <a:r>
-              <a:rPr lang="en-US" altLang="zh-CN" dirty="0" smtClean="0"/>
-              <a:t>Android</a:t>
-            </a:r>
-            <a:r>
-              <a:rPr lang="zh-CN" altLang="en-US" dirty="0" smtClean="0"/>
-              <a:t>应用中用户实实在在看到的部分。</a:t>
-            </a:r>
-            <a:endParaRPr lang="en-US" altLang="zh-CN" dirty="0" smtClean="0"/>
-          </a:p>
-          <a:p>
-            <a:r>
-              <a:rPr lang="en-US" altLang="zh-CN" dirty="0" smtClean="0"/>
-              <a:t>Service</a:t>
-            </a:r>
-            <a:r>
-              <a:rPr lang="zh-CN" altLang="en-US" dirty="0" smtClean="0"/>
-              <a:t>通常位于后台运行，拥有自己独立的生命周期，为其他组件提供后台服务或监控其他组件的运行状态。</a:t>
-            </a:r>
-            <a:endParaRPr lang="en-US" altLang="zh-CN" dirty="0" smtClean="0"/>
-          </a:p>
-          <a:p>
-            <a:r>
-              <a:rPr lang="en-US" altLang="zh-CN" dirty="0" err="1" smtClean="0"/>
-              <a:t>BroadcastReceiver</a:t>
-            </a:r>
-            <a:r>
-              <a:rPr lang="zh-CN" altLang="en-US" dirty="0" smtClean="0"/>
-              <a:t>代表消息接收器，类似于事件编程中的监听器。</a:t>
-            </a:r>
-            <a:endParaRPr lang="en-US" altLang="zh-CN" dirty="0" smtClean="0"/>
-          </a:p>
-          <a:p>
-            <a:r>
-              <a:rPr lang="en-US" altLang="zh-CN" dirty="0" err="1" smtClean="0"/>
-              <a:t>ContentProvider</a:t>
-            </a:r>
-            <a:r>
-              <a:rPr lang="zh-CN" altLang="en-US" dirty="0" smtClean="0"/>
-              <a:t>实现</a:t>
-            </a:r>
-            <a:r>
-              <a:rPr lang="en-US" altLang="zh-CN" dirty="0" smtClean="0"/>
-              <a:t>Android</a:t>
-            </a:r>
-            <a:r>
-              <a:rPr lang="zh-CN" altLang="en-US" dirty="0" smtClean="0"/>
-              <a:t>应用之间实时的数据交换。</a:t>
-            </a:r>
-            <a:endParaRPr lang="en-US" altLang="zh-CN" dirty="0" smtClean="0"/>
-          </a:p>
-          <a:p>
-            <a:r>
-              <a:rPr lang="en-US" altLang="zh-CN" dirty="0" smtClean="0"/>
-              <a:t>Intent</a:t>
-            </a:r>
-            <a:r>
-              <a:rPr lang="zh-CN" altLang="en-US" dirty="0" smtClean="0"/>
-              <a:t>并不是</a:t>
-            </a:r>
-            <a:r>
-              <a:rPr lang="en-US" altLang="zh-CN" dirty="0" smtClean="0"/>
-              <a:t>Android</a:t>
-            </a:r>
-            <a:r>
-              <a:rPr lang="zh-CN" altLang="en-US" dirty="0" smtClean="0"/>
-              <a:t>应用的组件，是</a:t>
-            </a:r>
-            <a:r>
-              <a:rPr lang="en-US" altLang="zh-CN" dirty="0" smtClean="0"/>
-              <a:t>Android</a:t>
-            </a:r>
-            <a:r>
-              <a:rPr lang="zh-CN" altLang="en-US" dirty="0" smtClean="0"/>
-              <a:t>应用中不同组件之间通信的载体，显示</a:t>
-            </a:r>
-            <a:r>
-              <a:rPr lang="en-US" altLang="zh-CN" dirty="0" smtClean="0"/>
-              <a:t>Intent</a:t>
-            </a:r>
-            <a:r>
-              <a:rPr lang="zh-CN" altLang="en-US" dirty="0" smtClean="0"/>
-              <a:t>和隐式</a:t>
-            </a:r>
-            <a:r>
-              <a:rPr lang="en-US" altLang="zh-CN" dirty="0" smtClean="0"/>
-              <a:t>Intent</a:t>
-            </a:r>
-            <a:r>
-              <a:rPr lang="zh-CN" altLang="en-US" dirty="0" smtClean="0"/>
-              <a:t>。</a:t>
-            </a:r>
             <a:endParaRPr lang="zh-CN" altLang="en-US" dirty="0"/>
           </a:p>
         </p:txBody>
@@ -1374,7 +1220,246 @@
           <a:p>
             <a:fld id="{8118EB5E-8291-4918-89D9-10BDB096D9E8}" type="slidenum">
               <a:rPr lang="zh-CN" altLang="en-US" smtClean="0"/>
-              <a:t>21</a:t>
+              <a:t>18</a:t>
+            </a:fld>
+            <a:endParaRPr lang="zh-CN" altLang="en-US"/>
+          </a:p>
+        </p:txBody>
+      </p:sp>
+    </p:spTree>
+    <p:extLst>
+      <p:ext uri="{BB962C8B-B14F-4D97-AF65-F5344CB8AC3E}">
+        <p14:creationId xmlns:p14="http://schemas.microsoft.com/office/powerpoint/2010/main" val="1208612684"/>
+      </p:ext>
+    </p:extLst>
+  </p:cSld>
+  <p:clrMapOvr>
+    <a:masterClrMapping/>
+  </p:clrMapOvr>
+</p:notes>
+</file>
+
+<file path=ppt/notesSlides/notesSlide7.xml><?xml version="1.0" encoding="utf-8"?>
+<p:notes xmlns:a="http://schemas.openxmlformats.org/drawingml/2006/main" xmlns:r="http://schemas.openxmlformats.org/officeDocument/2006/relationships" xmlns:p="http://schemas.openxmlformats.org/presentationml/2006/main">
+  <p:cSld>
+    <p:spTree>
+      <p:nvGrpSpPr>
+        <p:cNvPr id="1" name=""/>
+        <p:cNvGrpSpPr/>
+        <p:nvPr/>
+      </p:nvGrpSpPr>
+      <p:grpSpPr>
+        <a:xfrm>
+          <a:off x="0" y="0"/>
+          <a:ext cx="0" cy="0"/>
+          <a:chOff x="0" y="0"/>
+          <a:chExt cx="0" cy="0"/>
+        </a:xfrm>
+      </p:grpSpPr>
+      <p:sp>
+        <p:nvSpPr>
+          <p:cNvPr id="2" name="幻灯片图像占位符 1"/>
+          <p:cNvSpPr>
+            <a:spLocks noGrp="1" noRot="1" noChangeAspect="1"/>
+          </p:cNvSpPr>
+          <p:nvPr>
+            <p:ph type="sldImg"/>
+          </p:nvPr>
+        </p:nvSpPr>
+        <p:spPr/>
+      </p:sp>
+      <p:sp>
+        <p:nvSpPr>
+          <p:cNvPr id="3" name="备注占位符 2"/>
+          <p:cNvSpPr>
+            <a:spLocks noGrp="1"/>
+          </p:cNvSpPr>
+          <p:nvPr>
+            <p:ph type="body" idx="1"/>
+          </p:nvPr>
+        </p:nvSpPr>
+        <p:spPr/>
+        <p:txBody>
+          <a:bodyPr/>
+          <a:lstStyle/>
+          <a:p>
+            <a:r>
+              <a:rPr lang="en-US" altLang="zh-CN" dirty="0" smtClean="0"/>
+              <a:t>Activity</a:t>
+            </a:r>
+            <a:r>
+              <a:rPr lang="zh-CN" altLang="en-US" dirty="0" smtClean="0"/>
+              <a:t>是</a:t>
+            </a:r>
+            <a:r>
+              <a:rPr lang="en-US" altLang="zh-CN" dirty="0" smtClean="0"/>
+              <a:t>Android</a:t>
+            </a:r>
+            <a:r>
+              <a:rPr lang="zh-CN" altLang="en-US" dirty="0" smtClean="0"/>
+              <a:t>应用中负责与用户交互的组件，</a:t>
+            </a:r>
+            <a:r>
+              <a:rPr lang="en-US" altLang="zh-CN" dirty="0" smtClean="0"/>
+              <a:t>Activity</a:t>
+            </a:r>
+            <a:r>
+              <a:rPr lang="zh-CN" altLang="en-US" dirty="0" smtClean="0"/>
+              <a:t>只能通过</a:t>
+            </a:r>
+            <a:r>
+              <a:rPr lang="en-US" altLang="zh-CN" dirty="0" err="1" smtClean="0"/>
+              <a:t>setContentView</a:t>
+            </a:r>
+            <a:r>
+              <a:rPr lang="en-US" altLang="zh-CN" dirty="0" smtClean="0"/>
+              <a:t>(View)</a:t>
+            </a:r>
+            <a:r>
+              <a:rPr lang="zh-CN" altLang="en-US" dirty="0" smtClean="0"/>
+              <a:t>来显示指定组件。</a:t>
+            </a:r>
+            <a:endParaRPr lang="en-US" altLang="zh-CN" dirty="0" smtClean="0"/>
+          </a:p>
+          <a:p>
+            <a:r>
+              <a:rPr lang="en-US" altLang="zh-CN" dirty="0" smtClean="0"/>
+              <a:t>View</a:t>
+            </a:r>
+            <a:r>
+              <a:rPr lang="zh-CN" altLang="en-US" dirty="0" smtClean="0"/>
+              <a:t>组件是所有</a:t>
+            </a:r>
+            <a:r>
+              <a:rPr lang="en-US" altLang="zh-CN" dirty="0" smtClean="0"/>
+              <a:t>UI</a:t>
+            </a:r>
+            <a:r>
+              <a:rPr lang="zh-CN" altLang="en-US" dirty="0" smtClean="0"/>
+              <a:t>控件、容器控件的基类，</a:t>
+            </a:r>
+            <a:r>
+              <a:rPr lang="en-US" altLang="zh-CN" dirty="0" smtClean="0"/>
+              <a:t>View</a:t>
+            </a:r>
+            <a:r>
+              <a:rPr lang="zh-CN" altLang="en-US" dirty="0" smtClean="0"/>
+              <a:t>组件就是</a:t>
+            </a:r>
+            <a:r>
+              <a:rPr lang="en-US" altLang="zh-CN" dirty="0" smtClean="0"/>
+              <a:t>Android</a:t>
+            </a:r>
+            <a:r>
+              <a:rPr lang="zh-CN" altLang="en-US" dirty="0" smtClean="0"/>
+              <a:t>应用中用户实实在在看到的部分。</a:t>
+            </a:r>
+            <a:endParaRPr lang="en-US" altLang="zh-CN" dirty="0" smtClean="0"/>
+          </a:p>
+          <a:p>
+            <a:r>
+              <a:rPr lang="en-US" altLang="zh-CN" dirty="0" smtClean="0"/>
+              <a:t>Service</a:t>
+            </a:r>
+            <a:r>
+              <a:rPr lang="zh-CN" altLang="en-US" dirty="0" smtClean="0"/>
+              <a:t>通常位于后台运行，拥有自己独立的生命周期，为其他组件提供后台服务或监控其他组件的运行状态。</a:t>
+            </a:r>
+            <a:endParaRPr lang="en-US" altLang="zh-CN" dirty="0" smtClean="0"/>
+          </a:p>
+          <a:p>
+            <a:r>
+              <a:rPr lang="en-US" altLang="zh-CN" dirty="0" err="1" smtClean="0"/>
+              <a:t>BroadcastReceiver</a:t>
+            </a:r>
+            <a:r>
+              <a:rPr lang="zh-CN" altLang="en-US" dirty="0" smtClean="0"/>
+              <a:t>代表消息接收器，类似于事件编程中的监听器。</a:t>
+            </a:r>
+            <a:endParaRPr lang="en-US" altLang="zh-CN" dirty="0" smtClean="0"/>
+          </a:p>
+          <a:p>
+            <a:r>
+              <a:rPr lang="en-US" altLang="zh-CN" dirty="0" err="1" smtClean="0"/>
+              <a:t>ContentProvider</a:t>
+            </a:r>
+            <a:r>
+              <a:rPr lang="zh-CN" altLang="en-US" dirty="0" smtClean="0"/>
+              <a:t>实现</a:t>
+            </a:r>
+            <a:r>
+              <a:rPr lang="en-US" altLang="zh-CN" dirty="0" smtClean="0"/>
+              <a:t>Android</a:t>
+            </a:r>
+            <a:r>
+              <a:rPr lang="zh-CN" altLang="en-US" dirty="0" smtClean="0"/>
+              <a:t>应用之间实时的数据交换。</a:t>
+            </a:r>
+            <a:endParaRPr lang="en-US" altLang="zh-CN" dirty="0" smtClean="0"/>
+          </a:p>
+          <a:p>
+            <a:r>
+              <a:rPr lang="en-US" altLang="zh-CN" dirty="0" smtClean="0"/>
+              <a:t>Intent</a:t>
+            </a:r>
+            <a:r>
+              <a:rPr lang="zh-CN" altLang="en-US" dirty="0" smtClean="0"/>
+              <a:t>并不是</a:t>
+            </a:r>
+            <a:r>
+              <a:rPr lang="en-US" altLang="zh-CN" dirty="0" smtClean="0"/>
+              <a:t>Android</a:t>
+            </a:r>
+            <a:r>
+              <a:rPr lang="zh-CN" altLang="en-US" dirty="0" smtClean="0"/>
+              <a:t>应用的组件，是</a:t>
+            </a:r>
+            <a:r>
+              <a:rPr lang="en-US" altLang="zh-CN" dirty="0" smtClean="0"/>
+              <a:t>Android</a:t>
+            </a:r>
+            <a:r>
+              <a:rPr lang="zh-CN" altLang="en-US" dirty="0" smtClean="0"/>
+              <a:t>应用中不同组件之间通信的载体，显示</a:t>
+            </a:r>
+            <a:r>
+              <a:rPr lang="en-US" altLang="zh-CN" dirty="0" smtClean="0"/>
+              <a:t>Intent</a:t>
+            </a:r>
+            <a:r>
+              <a:rPr lang="zh-CN" altLang="en-US" dirty="0" smtClean="0"/>
+              <a:t>和隐式</a:t>
+            </a:r>
+            <a:r>
+              <a:rPr lang="en-US" altLang="zh-CN" dirty="0" smtClean="0"/>
+              <a:t>Intent</a:t>
+            </a:r>
+            <a:r>
+              <a:rPr lang="zh-CN" altLang="en-US" dirty="0" smtClean="0"/>
+              <a:t>。</a:t>
+            </a:r>
+            <a:endParaRPr lang="zh-CN" altLang="en-US" dirty="0"/>
+          </a:p>
+        </p:txBody>
+      </p:sp>
+      <p:sp>
+        <p:nvSpPr>
+          <p:cNvPr id="4" name="灯片编号占位符 3"/>
+          <p:cNvSpPr>
+            <a:spLocks noGrp="1"/>
+          </p:cNvSpPr>
+          <p:nvPr>
+            <p:ph type="sldNum" sz="quarter" idx="10"/>
+          </p:nvPr>
+        </p:nvSpPr>
+        <p:spPr/>
+        <p:txBody>
+          <a:bodyPr/>
+          <a:lstStyle/>
+          <a:p>
+            <a:fld id="{8118EB5E-8291-4918-89D9-10BDB096D9E8}" type="slidenum">
+              <a:rPr lang="zh-CN" altLang="en-US" smtClean="0"/>
+              <a:t>22</a:t>
             </a:fld>
             <a:endParaRPr lang="zh-CN" altLang="en-US"/>
           </a:p>
@@ -1534,7 +1619,7 @@
               <a:pPr>
                 <a:defRPr/>
               </a:pPr>
-              <a:t>2018/9/3</a:t>
+              <a:t>2018/9/14</a:t>
             </a:fld>
             <a:endParaRPr lang="zh-CN" altLang="en-US"/>
           </a:p>
@@ -1726,7 +1811,7 @@
               <a:pPr>
                 <a:defRPr/>
               </a:pPr>
-              <a:t>2018/9/3</a:t>
+              <a:t>2018/9/14</a:t>
             </a:fld>
             <a:endParaRPr lang="zh-CN" altLang="en-US"/>
           </a:p>
@@ -1928,7 +2013,7 @@
               <a:pPr>
                 <a:defRPr/>
               </a:pPr>
-              <a:t>2018/9/3</a:t>
+              <a:t>2018/9/14</a:t>
             </a:fld>
             <a:endParaRPr lang="zh-CN" altLang="en-US"/>
           </a:p>
@@ -2120,7 +2205,7 @@
               <a:pPr>
                 <a:defRPr/>
               </a:pPr>
-              <a:t>2018/9/3</a:t>
+              <a:t>2018/9/14</a:t>
             </a:fld>
             <a:endParaRPr lang="zh-CN" altLang="en-US"/>
           </a:p>
@@ -2388,7 +2473,7 @@
               <a:pPr>
                 <a:defRPr/>
               </a:pPr>
-              <a:t>2018/9/3</a:t>
+              <a:t>2018/9/14</a:t>
             </a:fld>
             <a:endParaRPr lang="zh-CN" altLang="en-US"/>
           </a:p>
@@ -2642,7 +2727,7 @@
               <a:pPr>
                 <a:defRPr/>
               </a:pPr>
-              <a:t>2018/9/3</a:t>
+              <a:t>2018/9/14</a:t>
             </a:fld>
             <a:endParaRPr lang="zh-CN" altLang="en-US"/>
           </a:p>
@@ -3031,7 +3116,7 @@
               <a:pPr>
                 <a:defRPr/>
               </a:pPr>
-              <a:t>2018/9/3</a:t>
+              <a:t>2018/9/14</a:t>
             </a:fld>
             <a:endParaRPr lang="zh-CN" altLang="en-US"/>
           </a:p>
@@ -3171,7 +3256,7 @@
               <a:pPr>
                 <a:defRPr/>
               </a:pPr>
-              <a:t>2018/9/3</a:t>
+              <a:t>2018/9/14</a:t>
             </a:fld>
             <a:endParaRPr lang="zh-CN" altLang="en-US"/>
           </a:p>
@@ -3288,7 +3373,7 @@
               <a:pPr>
                 <a:defRPr/>
               </a:pPr>
-              <a:t>2018/9/3</a:t>
+              <a:t>2018/9/14</a:t>
             </a:fld>
             <a:endParaRPr lang="zh-CN" altLang="en-US"/>
           </a:p>
@@ -3587,7 +3672,7 @@
               <a:pPr>
                 <a:defRPr/>
               </a:pPr>
-              <a:t>2018/9/3</a:t>
+              <a:t>2018/9/14</a:t>
             </a:fld>
             <a:endParaRPr lang="zh-CN" altLang="en-US"/>
           </a:p>
@@ -3865,7 +3950,7 @@
               <a:pPr>
                 <a:defRPr/>
               </a:pPr>
-              <a:t>2018/9/3</a:t>
+              <a:t>2018/9/14</a:t>
             </a:fld>
             <a:endParaRPr lang="zh-CN" altLang="en-US"/>
           </a:p>
@@ -4128,7 +4213,7 @@
               <a:pPr>
                 <a:defRPr/>
               </a:pPr>
-              <a:t>2018/9/3</a:t>
+              <a:t>2018/9/14</a:t>
             </a:fld>
             <a:endParaRPr lang="zh-CN" altLang="en-US"/>
           </a:p>
@@ -4896,37 +4981,7 @@
                 <a:latin typeface="微软雅黑" pitchFamily="34" charset="-122"/>
                 <a:ea typeface="微软雅黑" pitchFamily="34" charset="-122"/>
               </a:rPr>
-              <a:t>教师</a:t>
-            </a:r>
-            <a:r>
-              <a:rPr lang="zh-CN" altLang="en-US" sz="3600" dirty="0" smtClean="0">
-                <a:solidFill>
-                  <a:schemeClr val="bg1"/>
-                </a:solidFill>
-                <a:latin typeface="微软雅黑" pitchFamily="34" charset="-122"/>
-                <a:ea typeface="微软雅黑" pitchFamily="34" charset="-122"/>
-              </a:rPr>
-              <a:t>：</a:t>
-            </a:r>
-            <a:r>
-              <a:rPr lang="zh-CN" altLang="en-US" sz="3600" dirty="0" smtClean="0">
-                <a:solidFill>
-                  <a:schemeClr val="bg1"/>
-                </a:solidFill>
-                <a:latin typeface="微软雅黑" pitchFamily="34" charset="-122"/>
-                <a:ea typeface="微软雅黑" pitchFamily="34" charset="-122"/>
-              </a:rPr>
-              <a:t>代立云</a:t>
-            </a:r>
-            <a:r>
-              <a:rPr lang="zh-CN" altLang="en-US" sz="3600" dirty="0" smtClean="0">
-                <a:solidFill>
-                  <a:schemeClr val="bg1"/>
-                </a:solidFill>
-                <a:latin typeface="微软雅黑" pitchFamily="34" charset="-122"/>
-                <a:ea typeface="微软雅黑" pitchFamily="34" charset="-122"/>
-              </a:rPr>
-              <a:t>      </a:t>
+              <a:t>教师：代立云      </a:t>
             </a:r>
             <a:endParaRPr lang="zh-CN" altLang="en-US" sz="3600" dirty="0">
               <a:solidFill>
@@ -5429,7 +5484,7 @@
           </a:ln>
           <a:extLst>
             <a:ext uri="{91240B29-F687-4f45-9708-019B960494DF}">
-              <a14:hiddenLine xmlns:a14="http://schemas.microsoft.com/office/drawing/2010/main" xmlns="" w="12700" cap="flat" cmpd="sng">
+              <a14:hiddenLine xmlns="" xmlns:a14="http://schemas.microsoft.com/office/drawing/2010/main" w="12700" cap="flat" cmpd="sng">
                 <a:solidFill>
                   <a:srgbClr val="42719B"/>
                 </a:solidFill>
@@ -9034,14 +9089,14 @@
           </a:ln>
           <a:extLst>
             <a:ext uri="{909E8E84-426E-40dd-AFC4-6F175D3DCCD1}">
-              <a14:hiddenFill xmlns:a14="http://schemas.microsoft.com/office/drawing/2010/main" xmlns="">
+              <a14:hiddenFill xmlns="" xmlns:a14="http://schemas.microsoft.com/office/drawing/2010/main">
                 <a:solidFill>
                   <a:srgbClr val="FFFFFF"/>
                 </a:solidFill>
               </a14:hiddenFill>
             </a:ext>
             <a:ext uri="{91240B29-F687-4f45-9708-019B960494DF}">
-              <a14:hiddenLine xmlns:a14="http://schemas.microsoft.com/office/drawing/2010/main" xmlns="" w="9525">
+              <a14:hiddenLine xmlns="" xmlns:a14="http://schemas.microsoft.com/office/drawing/2010/main" w="9525">
                 <a:solidFill>
                   <a:srgbClr val="000000"/>
                 </a:solidFill>
@@ -9218,14 +9273,14 @@
           </a:ln>
           <a:extLst>
             <a:ext uri="{909E8E84-426E-40dd-AFC4-6F175D3DCCD1}">
-              <a14:hiddenFill xmlns:a14="http://schemas.microsoft.com/office/drawing/2010/main" xmlns="">
+              <a14:hiddenFill xmlns="" xmlns:a14="http://schemas.microsoft.com/office/drawing/2010/main">
                 <a:solidFill>
                   <a:srgbClr val="FFFFFF"/>
                 </a:solidFill>
               </a14:hiddenFill>
             </a:ext>
             <a:ext uri="{91240B29-F687-4f45-9708-019B960494DF}">
-              <a14:hiddenLine xmlns:a14="http://schemas.microsoft.com/office/drawing/2010/main" xmlns="" w="9525">
+              <a14:hiddenLine xmlns="" xmlns:a14="http://schemas.microsoft.com/office/drawing/2010/main" w="9525">
                 <a:solidFill>
                   <a:srgbClr val="000000"/>
                 </a:solidFill>
@@ -9272,14 +9327,14 @@
           </a:ln>
           <a:extLst>
             <a:ext uri="{909E8E84-426E-40dd-AFC4-6F175D3DCCD1}">
-              <a14:hiddenFill xmlns:a14="http://schemas.microsoft.com/office/drawing/2010/main" xmlns="">
+              <a14:hiddenFill xmlns="" xmlns:a14="http://schemas.microsoft.com/office/drawing/2010/main">
                 <a:solidFill>
                   <a:srgbClr val="FFFFFF"/>
                 </a:solidFill>
               </a14:hiddenFill>
             </a:ext>
             <a:ext uri="{91240B29-F687-4f45-9708-019B960494DF}">
-              <a14:hiddenLine xmlns:a14="http://schemas.microsoft.com/office/drawing/2010/main" xmlns="" w="9525">
+              <a14:hiddenLine xmlns="" xmlns:a14="http://schemas.microsoft.com/office/drawing/2010/main" w="9525">
                 <a:solidFill>
                   <a:srgbClr val="000000"/>
                 </a:solidFill>
@@ -9326,14 +9381,14 @@
           </a:ln>
           <a:extLst>
             <a:ext uri="{909E8E84-426E-40dd-AFC4-6F175D3DCCD1}">
-              <a14:hiddenFill xmlns:a14="http://schemas.microsoft.com/office/drawing/2010/main" xmlns="">
+              <a14:hiddenFill xmlns="" xmlns:a14="http://schemas.microsoft.com/office/drawing/2010/main">
                 <a:solidFill>
                   <a:srgbClr val="FFFFFF"/>
                 </a:solidFill>
               </a14:hiddenFill>
             </a:ext>
             <a:ext uri="{91240B29-F687-4f45-9708-019B960494DF}">
-              <a14:hiddenLine xmlns:a14="http://schemas.microsoft.com/office/drawing/2010/main" xmlns="" w="9525">
+              <a14:hiddenLine xmlns="" xmlns:a14="http://schemas.microsoft.com/office/drawing/2010/main" w="9525">
                 <a:solidFill>
                   <a:srgbClr val="000000"/>
                 </a:solidFill>
@@ -13809,6 +13864,618 @@
       </p:grpSpPr>
       <p:sp>
         <p:nvSpPr>
+          <p:cNvPr id="2" name="标题 1"/>
+          <p:cNvSpPr>
+            <a:spLocks noGrp="1"/>
+          </p:cNvSpPr>
+          <p:nvPr>
+            <p:ph type="title"/>
+          </p:nvPr>
+        </p:nvSpPr>
+        <p:spPr/>
+        <p:txBody>
+          <a:bodyPr/>
+          <a:lstStyle/>
+          <a:p>
+            <a:r>
+              <a:rPr lang="en-US" altLang="zh-CN" dirty="0" smtClean="0">
+                <a:solidFill>
+                  <a:schemeClr val="bg1"/>
+                </a:solidFill>
+              </a:rPr>
+              <a:t>Android Studio app</a:t>
+            </a:r>
+            <a:r>
+              <a:rPr lang="zh-CN" altLang="en-US" dirty="0" smtClean="0">
+                <a:solidFill>
+                  <a:schemeClr val="bg1"/>
+                </a:solidFill>
+              </a:rPr>
+              <a:t>目录</a:t>
+            </a:r>
+            <a:endParaRPr lang="zh-CN" altLang="en-US" dirty="0">
+              <a:solidFill>
+                <a:schemeClr val="bg1"/>
+              </a:solidFill>
+            </a:endParaRPr>
+          </a:p>
+        </p:txBody>
+      </p:sp>
+      <p:pic>
+        <p:nvPicPr>
+          <p:cNvPr id="4" name="内容占位符 3"/>
+          <p:cNvPicPr>
+            <a:picLocks noGrp="1" noChangeAspect="1"/>
+          </p:cNvPicPr>
+          <p:nvPr>
+            <p:ph idx="1"/>
+          </p:nvPr>
+        </p:nvPicPr>
+        <p:blipFill>
+          <a:blip r:embed="rId4"/>
+          <a:stretch>
+            <a:fillRect/>
+          </a:stretch>
+        </p:blipFill>
+        <p:spPr>
+          <a:xfrm>
+            <a:off x="567908" y="1690688"/>
+            <a:ext cx="4164511" cy="4774280"/>
+          </a:xfrm>
+          <a:prstGeom prst="rect">
+            <a:avLst/>
+          </a:prstGeom>
+        </p:spPr>
+      </p:pic>
+      <p:sp>
+        <p:nvSpPr>
+          <p:cNvPr id="5" name="文本框 4"/>
+          <p:cNvSpPr txBox="1"/>
+          <p:nvPr/>
+        </p:nvSpPr>
+        <p:spPr>
+          <a:xfrm>
+            <a:off x="6384758" y="2270066"/>
+            <a:ext cx="3785203" cy="1138773"/>
+          </a:xfrm>
+          <a:prstGeom prst="rect">
+            <a:avLst/>
+          </a:prstGeom>
+          <a:noFill/>
+        </p:spPr>
+        <p:txBody>
+          <a:bodyPr wrap="none" rtlCol="0">
+            <a:spAutoFit/>
+          </a:bodyPr>
+          <a:lstStyle/>
+          <a:p>
+            <a:r>
+              <a:rPr lang="en-US" altLang="zh-CN" sz="2800" b="1" dirty="0" smtClean="0">
+                <a:solidFill>
+                  <a:schemeClr val="bg1"/>
+                </a:solidFill>
+              </a:rPr>
+              <a:t>App</a:t>
+            </a:r>
+            <a:r>
+              <a:rPr lang="zh-CN" altLang="en-US" sz="2800" b="1" dirty="0" smtClean="0">
+                <a:solidFill>
+                  <a:schemeClr val="bg1"/>
+                </a:solidFill>
+              </a:rPr>
+              <a:t>配置文件</a:t>
+            </a:r>
+            <a:endParaRPr lang="en-US" altLang="zh-CN" sz="2800" b="1" dirty="0" smtClean="0">
+              <a:solidFill>
+                <a:schemeClr val="bg1"/>
+              </a:solidFill>
+            </a:endParaRPr>
+          </a:p>
+          <a:p>
+            <a:r>
+              <a:rPr lang="zh-CN" altLang="en-US" sz="2000" b="1" dirty="0" smtClean="0">
+                <a:solidFill>
+                  <a:schemeClr val="bg1"/>
+                </a:solidFill>
+              </a:rPr>
+              <a:t>包括</a:t>
+            </a:r>
+            <a:r>
+              <a:rPr lang="en-US" altLang="zh-CN" sz="2000" b="1" dirty="0" smtClean="0">
+                <a:solidFill>
+                  <a:schemeClr val="bg1"/>
+                </a:solidFill>
+              </a:rPr>
+              <a:t>APP </a:t>
+            </a:r>
+            <a:r>
+              <a:rPr lang="zh-CN" altLang="en-US" sz="2000" b="1" dirty="0" smtClean="0">
+                <a:solidFill>
+                  <a:schemeClr val="bg1"/>
+                </a:solidFill>
+              </a:rPr>
+              <a:t>名称</a:t>
+            </a:r>
+            <a:r>
+              <a:rPr lang="en-US" altLang="zh-CN" sz="2000" b="1" dirty="0" smtClean="0">
+                <a:solidFill>
+                  <a:schemeClr val="bg1"/>
+                </a:solidFill>
+              </a:rPr>
+              <a:t>;icon,</a:t>
+            </a:r>
+            <a:r>
+              <a:rPr lang="zh-CN" altLang="en-US" sz="2000" b="1" dirty="0" smtClean="0">
+                <a:solidFill>
+                  <a:schemeClr val="bg1"/>
+                </a:solidFill>
+              </a:rPr>
+              <a:t>包含的所有</a:t>
+            </a:r>
+            <a:endParaRPr lang="en-US" altLang="zh-CN" sz="2000" b="1" dirty="0" smtClean="0">
+              <a:solidFill>
+                <a:schemeClr val="bg1"/>
+              </a:solidFill>
+            </a:endParaRPr>
+          </a:p>
+          <a:p>
+            <a:r>
+              <a:rPr lang="en-US" altLang="zh-CN" sz="2000" b="1" dirty="0" err="1" smtClean="0">
+                <a:solidFill>
+                  <a:schemeClr val="bg1"/>
+                </a:solidFill>
+              </a:rPr>
+              <a:t>Acitivity</a:t>
+            </a:r>
+            <a:r>
+              <a:rPr lang="zh-CN" altLang="en-US" sz="2000" b="1" dirty="0" smtClean="0">
+                <a:solidFill>
+                  <a:schemeClr val="bg1"/>
+                </a:solidFill>
+              </a:rPr>
+              <a:t>；</a:t>
+            </a:r>
+            <a:r>
+              <a:rPr lang="en-US" altLang="zh-CN" sz="2000" b="1" dirty="0" smtClean="0">
+                <a:solidFill>
+                  <a:schemeClr val="bg1"/>
+                </a:solidFill>
+              </a:rPr>
+              <a:t>APP</a:t>
+            </a:r>
+            <a:r>
+              <a:rPr lang="zh-CN" altLang="en-US" sz="2000" b="1" dirty="0" smtClean="0">
+                <a:solidFill>
+                  <a:schemeClr val="bg1"/>
+                </a:solidFill>
+              </a:rPr>
+              <a:t>的权限</a:t>
+            </a:r>
+            <a:r>
+              <a:rPr lang="en-US" altLang="zh-CN" sz="2000" b="1" dirty="0" smtClean="0">
+                <a:solidFill>
+                  <a:schemeClr val="bg1"/>
+                </a:solidFill>
+              </a:rPr>
+              <a:t>…</a:t>
+            </a:r>
+            <a:endParaRPr lang="zh-CN" altLang="en-US" sz="2000" b="1" dirty="0">
+              <a:solidFill>
+                <a:schemeClr val="bg1"/>
+              </a:solidFill>
+            </a:endParaRPr>
+          </a:p>
+        </p:txBody>
+      </p:sp>
+      <p:cxnSp>
+        <p:nvCxnSpPr>
+          <p:cNvPr id="7" name="直接箭头连接符 6"/>
+          <p:cNvCxnSpPr/>
+          <p:nvPr/>
+        </p:nvCxnSpPr>
+        <p:spPr>
+          <a:xfrm flipH="1">
+            <a:off x="2935705" y="2839453"/>
+            <a:ext cx="3449053" cy="577515"/>
+          </a:xfrm>
+          <a:prstGeom prst="straightConnector1">
+            <a:avLst/>
+          </a:prstGeom>
+          <a:ln w="63500">
+            <a:solidFill>
+              <a:srgbClr val="FF0000"/>
+            </a:solidFill>
+            <a:tailEnd type="triangle"/>
+          </a:ln>
+        </p:spPr>
+        <p:style>
+          <a:lnRef idx="1">
+            <a:schemeClr val="accent1"/>
+          </a:lnRef>
+          <a:fillRef idx="0">
+            <a:schemeClr val="accent1"/>
+          </a:fillRef>
+          <a:effectRef idx="0">
+            <a:schemeClr val="accent1"/>
+          </a:effectRef>
+          <a:fontRef idx="minor">
+            <a:schemeClr val="tx1"/>
+          </a:fontRef>
+        </p:style>
+      </p:cxnSp>
+      <p:sp>
+        <p:nvSpPr>
+          <p:cNvPr id="8" name="文本框 7"/>
+          <p:cNvSpPr txBox="1"/>
+          <p:nvPr/>
+        </p:nvSpPr>
+        <p:spPr>
+          <a:xfrm>
+            <a:off x="6384758" y="3713384"/>
+            <a:ext cx="3023585" cy="830997"/>
+          </a:xfrm>
+          <a:prstGeom prst="rect">
+            <a:avLst/>
+          </a:prstGeom>
+          <a:noFill/>
+        </p:spPr>
+        <p:txBody>
+          <a:bodyPr wrap="none" rtlCol="0">
+            <a:spAutoFit/>
+          </a:bodyPr>
+          <a:lstStyle/>
+          <a:p>
+            <a:r>
+              <a:rPr lang="en-US" altLang="zh-CN" sz="2800" b="1" dirty="0" smtClean="0">
+                <a:solidFill>
+                  <a:schemeClr val="bg1"/>
+                </a:solidFill>
+              </a:rPr>
+              <a:t>App</a:t>
+            </a:r>
+            <a:r>
+              <a:rPr lang="zh-CN" altLang="en-US" sz="2800" b="1" dirty="0" smtClean="0">
+                <a:solidFill>
+                  <a:schemeClr val="bg1"/>
+                </a:solidFill>
+              </a:rPr>
+              <a:t>业务逻辑</a:t>
+            </a:r>
+            <a:endParaRPr lang="en-US" altLang="zh-CN" sz="2800" b="1" dirty="0" smtClean="0">
+              <a:solidFill>
+                <a:schemeClr val="bg1"/>
+              </a:solidFill>
+            </a:endParaRPr>
+          </a:p>
+          <a:p>
+            <a:r>
+              <a:rPr lang="zh-CN" altLang="en-US" sz="2000" b="1" dirty="0" smtClean="0">
+                <a:solidFill>
+                  <a:schemeClr val="bg1"/>
+                </a:solidFill>
+              </a:rPr>
+              <a:t>按钮被点击了后执行什么</a:t>
+            </a:r>
+            <a:endParaRPr lang="en-US" altLang="zh-CN" sz="2000" b="1" dirty="0" smtClean="0">
+              <a:solidFill>
+                <a:schemeClr val="bg1"/>
+              </a:solidFill>
+            </a:endParaRPr>
+          </a:p>
+        </p:txBody>
+      </p:sp>
+      <p:cxnSp>
+        <p:nvCxnSpPr>
+          <p:cNvPr id="9" name="直接箭头连接符 8"/>
+          <p:cNvCxnSpPr/>
+          <p:nvPr/>
+        </p:nvCxnSpPr>
+        <p:spPr>
+          <a:xfrm flipH="1" flipV="1">
+            <a:off x="2227494" y="4056994"/>
+            <a:ext cx="4280882" cy="71888"/>
+          </a:xfrm>
+          <a:prstGeom prst="straightConnector1">
+            <a:avLst/>
+          </a:prstGeom>
+          <a:ln w="63500">
+            <a:solidFill>
+              <a:srgbClr val="FF0000"/>
+            </a:solidFill>
+            <a:tailEnd type="triangle"/>
+          </a:ln>
+        </p:spPr>
+        <p:style>
+          <a:lnRef idx="1">
+            <a:schemeClr val="accent1"/>
+          </a:lnRef>
+          <a:fillRef idx="0">
+            <a:schemeClr val="accent1"/>
+          </a:fillRef>
+          <a:effectRef idx="0">
+            <a:schemeClr val="accent1"/>
+          </a:effectRef>
+          <a:fontRef idx="minor">
+            <a:schemeClr val="tx1"/>
+          </a:fontRef>
+        </p:style>
+      </p:cxnSp>
+      <p:sp>
+        <p:nvSpPr>
+          <p:cNvPr id="11" name="文本框 10"/>
+          <p:cNvSpPr txBox="1"/>
+          <p:nvPr/>
+        </p:nvSpPr>
+        <p:spPr>
+          <a:xfrm>
+            <a:off x="6384758" y="4944148"/>
+            <a:ext cx="4852610" cy="1138773"/>
+          </a:xfrm>
+          <a:prstGeom prst="rect">
+            <a:avLst/>
+          </a:prstGeom>
+          <a:noFill/>
+        </p:spPr>
+        <p:txBody>
+          <a:bodyPr wrap="none" rtlCol="0">
+            <a:spAutoFit/>
+          </a:bodyPr>
+          <a:lstStyle/>
+          <a:p>
+            <a:r>
+              <a:rPr lang="en-US" altLang="zh-CN" sz="2800" b="1" dirty="0" smtClean="0">
+                <a:solidFill>
+                  <a:schemeClr val="bg1"/>
+                </a:solidFill>
+              </a:rPr>
+              <a:t>App</a:t>
+            </a:r>
+            <a:r>
+              <a:rPr lang="zh-CN" altLang="en-US" sz="2800" b="1" dirty="0" smtClean="0">
+                <a:solidFill>
+                  <a:schemeClr val="bg1"/>
+                </a:solidFill>
+              </a:rPr>
+              <a:t>的所有资源</a:t>
+            </a:r>
+            <a:endParaRPr lang="en-US" altLang="zh-CN" sz="2800" b="1" dirty="0" smtClean="0">
+              <a:solidFill>
+                <a:schemeClr val="bg1"/>
+              </a:solidFill>
+            </a:endParaRPr>
+          </a:p>
+          <a:p>
+            <a:r>
+              <a:rPr lang="zh-CN" altLang="en-US" sz="2000" b="1" dirty="0" smtClean="0">
+                <a:solidFill>
+                  <a:schemeClr val="bg1"/>
+                </a:solidFill>
+              </a:rPr>
+              <a:t>包括图形，声音，视频，字符串配置</a:t>
+            </a:r>
+            <a:endParaRPr lang="en-US" altLang="zh-CN" sz="2000" b="1" dirty="0" smtClean="0">
+              <a:solidFill>
+                <a:schemeClr val="bg1"/>
+              </a:solidFill>
+            </a:endParaRPr>
+          </a:p>
+          <a:p>
+            <a:r>
+              <a:rPr lang="en-US" altLang="zh-CN" sz="2000" b="1" dirty="0" smtClean="0">
+                <a:solidFill>
+                  <a:srgbClr val="FFFF00"/>
+                </a:solidFill>
+              </a:rPr>
+              <a:t>Android </a:t>
+            </a:r>
+            <a:r>
+              <a:rPr lang="zh-CN" altLang="en-US" sz="2000" b="1" dirty="0" smtClean="0">
+                <a:solidFill>
+                  <a:srgbClr val="FFFF00"/>
+                </a:solidFill>
+              </a:rPr>
+              <a:t>资源可以看我分门别类的大字典</a:t>
+            </a:r>
+            <a:endParaRPr lang="en-US" altLang="zh-CN" sz="2000" b="1" dirty="0" smtClean="0">
+              <a:solidFill>
+                <a:srgbClr val="FFFF00"/>
+              </a:solidFill>
+            </a:endParaRPr>
+          </a:p>
+        </p:txBody>
+      </p:sp>
+      <p:cxnSp>
+        <p:nvCxnSpPr>
+          <p:cNvPr id="12" name="直接箭头连接符 11"/>
+          <p:cNvCxnSpPr/>
+          <p:nvPr/>
+        </p:nvCxnSpPr>
+        <p:spPr>
+          <a:xfrm flipH="1" flipV="1">
+            <a:off x="2103876" y="4716186"/>
+            <a:ext cx="4280882" cy="630102"/>
+          </a:xfrm>
+          <a:prstGeom prst="straightConnector1">
+            <a:avLst/>
+          </a:prstGeom>
+          <a:ln w="63500">
+            <a:solidFill>
+              <a:srgbClr val="FF0000"/>
+            </a:solidFill>
+            <a:tailEnd type="triangle"/>
+          </a:ln>
+        </p:spPr>
+        <p:style>
+          <a:lnRef idx="1">
+            <a:schemeClr val="accent1"/>
+          </a:lnRef>
+          <a:fillRef idx="0">
+            <a:schemeClr val="accent1"/>
+          </a:fillRef>
+          <a:effectRef idx="0">
+            <a:schemeClr val="accent1"/>
+          </a:effectRef>
+          <a:fontRef idx="minor">
+            <a:schemeClr val="tx1"/>
+          </a:fontRef>
+        </p:style>
+      </p:cxnSp>
+      <p:sp>
+        <p:nvSpPr>
+          <p:cNvPr id="14" name="文本框 13"/>
+          <p:cNvSpPr txBox="1"/>
+          <p:nvPr/>
+        </p:nvSpPr>
+        <p:spPr>
+          <a:xfrm>
+            <a:off x="10094804" y="2913165"/>
+            <a:ext cx="1787669" cy="1631216"/>
+          </a:xfrm>
+          <a:prstGeom prst="rect">
+            <a:avLst/>
+          </a:prstGeom>
+          <a:noFill/>
+        </p:spPr>
+        <p:txBody>
+          <a:bodyPr wrap="none" rtlCol="0">
+            <a:spAutoFit/>
+          </a:bodyPr>
+          <a:lstStyle/>
+          <a:p>
+            <a:r>
+              <a:rPr lang="en-US" altLang="zh-CN" sz="2000" b="1" dirty="0">
+                <a:solidFill>
+                  <a:srgbClr val="FFFF00"/>
+                </a:solidFill>
+              </a:rPr>
+              <a:t>Android </a:t>
+            </a:r>
+            <a:r>
+              <a:rPr lang="zh-CN" altLang="en-US" sz="2000" b="1" dirty="0">
+                <a:solidFill>
+                  <a:srgbClr val="FFFF00"/>
+                </a:solidFill>
+              </a:rPr>
+              <a:t>遵循</a:t>
+            </a:r>
+            <a:endParaRPr lang="en-US" altLang="zh-CN" sz="2000" b="1" dirty="0">
+              <a:solidFill>
+                <a:srgbClr val="FFFF00"/>
+              </a:solidFill>
+            </a:endParaRPr>
+          </a:p>
+          <a:p>
+            <a:r>
+              <a:rPr lang="en-US" altLang="zh-CN" sz="2000" b="1" dirty="0">
+                <a:solidFill>
+                  <a:srgbClr val="FFFF00"/>
+                </a:solidFill>
+              </a:rPr>
+              <a:t>MVC</a:t>
+            </a:r>
+            <a:r>
+              <a:rPr lang="zh-CN" altLang="en-US" sz="2000" b="1" dirty="0">
+                <a:solidFill>
+                  <a:srgbClr val="FFFF00"/>
+                </a:solidFill>
+              </a:rPr>
+              <a:t>的开发模</a:t>
+            </a:r>
+            <a:endParaRPr lang="en-US" altLang="zh-CN" sz="2000" b="1" dirty="0">
+              <a:solidFill>
+                <a:srgbClr val="FFFF00"/>
+              </a:solidFill>
+            </a:endParaRPr>
+          </a:p>
+          <a:p>
+            <a:r>
+              <a:rPr lang="zh-CN" altLang="en-US" sz="2000" b="1" dirty="0">
+                <a:solidFill>
+                  <a:srgbClr val="FFFF00"/>
+                </a:solidFill>
+              </a:rPr>
+              <a:t>式使业务逻辑</a:t>
+            </a:r>
+            <a:endParaRPr lang="en-US" altLang="zh-CN" sz="2000" b="1" dirty="0">
+              <a:solidFill>
+                <a:srgbClr val="FFFF00"/>
+              </a:solidFill>
+            </a:endParaRPr>
+          </a:p>
+          <a:p>
+            <a:r>
+              <a:rPr lang="zh-CN" altLang="en-US" sz="2000" b="1" dirty="0">
+                <a:solidFill>
+                  <a:srgbClr val="FFFF00"/>
+                </a:solidFill>
+              </a:rPr>
+              <a:t>和界面布局</a:t>
+            </a:r>
+            <a:endParaRPr lang="en-US" altLang="zh-CN" sz="2000" b="1" dirty="0">
+              <a:solidFill>
+                <a:srgbClr val="FFFF00"/>
+              </a:solidFill>
+            </a:endParaRPr>
+          </a:p>
+          <a:p>
+            <a:r>
+              <a:rPr lang="zh-CN" altLang="en-US" sz="2000" b="1" dirty="0">
+                <a:solidFill>
+                  <a:srgbClr val="FFFF00"/>
+                </a:solidFill>
+              </a:rPr>
+              <a:t>分开管理。</a:t>
+            </a:r>
+            <a:endParaRPr lang="zh-CN" altLang="en-US" sz="2000" b="1" dirty="0">
+              <a:solidFill>
+                <a:srgbClr val="FFFF00"/>
+              </a:solidFill>
+            </a:endParaRPr>
+          </a:p>
+        </p:txBody>
+      </p:sp>
+    </p:spTree>
+    <p:extLst>
+      <p:ext uri="{BB962C8B-B14F-4D97-AF65-F5344CB8AC3E}">
+        <p14:creationId xmlns:p14="http://schemas.microsoft.com/office/powerpoint/2010/main" val="3096537727"/>
+      </p:ext>
+    </p:extLst>
+  </p:cSld>
+  <p:clrMapOvr>
+    <a:overrideClrMapping bg1="lt1" tx1="dk1" bg2="lt2" tx2="dk2" accent1="accent1" accent2="accent2" accent3="accent3" accent4="accent4" accent5="accent5" accent6="accent6" hlink="hlink" folHlink="folHlink"/>
+  </p:clrMapOvr>
+</p:sld>
+</file>
+
+<file path=ppt/slides/slide19.xml><?xml version="1.0" encoding="utf-8"?>
+<p:sld xmlns:a="http://schemas.openxmlformats.org/drawingml/2006/main" xmlns:r="http://schemas.openxmlformats.org/officeDocument/2006/relationships" xmlns:p="http://schemas.openxmlformats.org/presentationml/2006/main">
+  <p:cSld>
+    <p:bg>
+      <p:bgPr>
+        <a:solidFill>
+          <a:schemeClr val="accent5">
+            <a:lumMod val="50000"/>
+          </a:schemeClr>
+        </a:solidFill>
+        <a:effectLst/>
+      </p:bgPr>
+    </p:bg>
+    <p:spTree>
+      <p:nvGrpSpPr>
+        <p:cNvPr id="1" name=""/>
+        <p:cNvGrpSpPr/>
+        <p:nvPr/>
+      </p:nvGrpSpPr>
+      <p:grpSpPr>
+        <a:xfrm>
+          <a:off x="0" y="0"/>
+          <a:ext cx="0" cy="0"/>
+          <a:chOff x="0" y="0"/>
+          <a:chExt cx="0" cy="0"/>
+        </a:xfrm>
+      </p:grpSpPr>
+      <p:sp>
+        <p:nvSpPr>
           <p:cNvPr id="4" name="矩形 3"/>
           <p:cNvSpPr>
             <a:spLocks noChangeArrowheads="1"/>
@@ -14588,7 +15255,178 @@
 </p:sld>
 </file>
 
-<file path=ppt/slides/slide19.xml><?xml version="1.0" encoding="utf-8"?>
+<file path=ppt/slides/slide2.xml><?xml version="1.0" encoding="utf-8"?>
+<p:sld xmlns:a="http://schemas.openxmlformats.org/drawingml/2006/main" xmlns:r="http://schemas.openxmlformats.org/officeDocument/2006/relationships" xmlns:p="http://schemas.openxmlformats.org/presentationml/2006/main">
+  <p:cSld>
+    <p:bg>
+      <p:bgPr>
+        <a:solidFill>
+          <a:schemeClr val="accent5">
+            <a:lumMod val="50000"/>
+          </a:schemeClr>
+        </a:solidFill>
+        <a:effectLst/>
+      </p:bgPr>
+    </p:bg>
+    <p:spTree>
+      <p:nvGrpSpPr>
+        <p:cNvPr id="1" name=""/>
+        <p:cNvGrpSpPr/>
+        <p:nvPr/>
+      </p:nvGrpSpPr>
+      <p:grpSpPr>
+        <a:xfrm>
+          <a:off x="0" y="0"/>
+          <a:ext cx="0" cy="0"/>
+          <a:chOff x="0" y="0"/>
+          <a:chExt cx="0" cy="0"/>
+        </a:xfrm>
+      </p:grpSpPr>
+      <p:sp>
+        <p:nvSpPr>
+          <p:cNvPr id="2" name="标题 1"/>
+          <p:cNvSpPr>
+            <a:spLocks noGrp="1"/>
+          </p:cNvSpPr>
+          <p:nvPr>
+            <p:ph type="title"/>
+          </p:nvPr>
+        </p:nvSpPr>
+        <p:spPr/>
+        <p:txBody>
+          <a:bodyPr/>
+          <a:lstStyle/>
+          <a:p>
+            <a:r>
+              <a:rPr lang="zh-CN" altLang="en-US" dirty="0" smtClean="0">
+                <a:solidFill>
+                  <a:schemeClr val="bg1"/>
+                </a:solidFill>
+              </a:rPr>
+              <a:t>授课老师</a:t>
+            </a:r>
+            <a:endParaRPr lang="zh-CN" altLang="en-US" dirty="0">
+              <a:solidFill>
+                <a:schemeClr val="bg1"/>
+              </a:solidFill>
+            </a:endParaRPr>
+          </a:p>
+        </p:txBody>
+      </p:sp>
+      <p:sp>
+        <p:nvSpPr>
+          <p:cNvPr id="3" name="内容占位符 2"/>
+          <p:cNvSpPr>
+            <a:spLocks noGrp="1"/>
+          </p:cNvSpPr>
+          <p:nvPr>
+            <p:ph idx="1"/>
+          </p:nvPr>
+        </p:nvSpPr>
+        <p:spPr/>
+        <p:txBody>
+          <a:bodyPr/>
+          <a:lstStyle/>
+          <a:p>
+            <a:r>
+              <a:rPr lang="zh-CN" altLang="en-US" dirty="0" smtClean="0">
+                <a:solidFill>
+                  <a:schemeClr val="bg1"/>
+                </a:solidFill>
+              </a:rPr>
+              <a:t>代立云  </a:t>
+            </a:r>
+            <a:endParaRPr lang="en-US" altLang="zh-CN" dirty="0" smtClean="0">
+              <a:solidFill>
+                <a:schemeClr val="bg1"/>
+              </a:solidFill>
+            </a:endParaRPr>
+          </a:p>
+          <a:p>
+            <a:endParaRPr lang="en-US" altLang="zh-CN" dirty="0">
+              <a:solidFill>
+                <a:schemeClr val="bg1"/>
+              </a:solidFill>
+            </a:endParaRPr>
+          </a:p>
+          <a:p>
+            <a:r>
+              <a:rPr lang="en-US" altLang="zh-CN" dirty="0" smtClean="0">
+                <a:solidFill>
+                  <a:schemeClr val="bg1"/>
+                </a:solidFill>
+              </a:rPr>
+              <a:t>Email:  </a:t>
+            </a:r>
+            <a:r>
+              <a:rPr lang="en-US" altLang="zh-CN" u="sng" dirty="0" smtClean="0">
+                <a:solidFill>
+                  <a:srgbClr val="FF0000"/>
+                </a:solidFill>
+                <a:hlinkClick r:id="rId2"/>
+              </a:rPr>
+              <a:t>dailiyun@swu.edu.cn</a:t>
+            </a:r>
+            <a:endParaRPr lang="en-US" altLang="zh-CN" u="sng" dirty="0">
+              <a:solidFill>
+                <a:srgbClr val="FF0000"/>
+              </a:solidFill>
+            </a:endParaRPr>
+          </a:p>
+          <a:p>
+            <a:endParaRPr lang="en-US" altLang="zh-CN" dirty="0" smtClean="0">
+              <a:solidFill>
+                <a:schemeClr val="bg1"/>
+              </a:solidFill>
+            </a:endParaRPr>
+          </a:p>
+          <a:p>
+            <a:r>
+              <a:rPr lang="en-US" altLang="zh-CN" dirty="0" smtClean="0">
+                <a:solidFill>
+                  <a:schemeClr val="bg1"/>
+                </a:solidFill>
+              </a:rPr>
+              <a:t>Homepage: </a:t>
+            </a:r>
+            <a:r>
+              <a:rPr lang="en-US" altLang="zh-CN" dirty="0">
+                <a:solidFill>
+                  <a:schemeClr val="bg1"/>
+                </a:solidFill>
+                <a:hlinkClick r:id="rId3"/>
+              </a:rPr>
+              <a:t>http://www.swu-rise.net.cn/#/peopleInfo/teacher?id=25</a:t>
+            </a:r>
+            <a:endParaRPr lang="en-US" altLang="zh-CN" dirty="0">
+              <a:solidFill>
+                <a:schemeClr val="bg1"/>
+              </a:solidFill>
+            </a:endParaRPr>
+          </a:p>
+          <a:p>
+            <a:endParaRPr lang="zh-CN" altLang="en-US" dirty="0">
+              <a:solidFill>
+                <a:schemeClr val="bg1"/>
+              </a:solidFill>
+            </a:endParaRPr>
+          </a:p>
+        </p:txBody>
+      </p:sp>
+    </p:spTree>
+    <p:extLst>
+      <p:ext uri="{BB962C8B-B14F-4D97-AF65-F5344CB8AC3E}">
+        <p14:creationId xmlns:p14="http://schemas.microsoft.com/office/powerpoint/2010/main" val="2896130960"/>
+      </p:ext>
+    </p:extLst>
+  </p:cSld>
+  <p:clrMapOvr>
+    <a:masterClrMapping/>
+  </p:clrMapOvr>
+</p:sld>
+</file>
+
+<file path=ppt/slides/slide20.xml><?xml version="1.0" encoding="utf-8"?>
 <p:sld xmlns:a="http://schemas.openxmlformats.org/drawingml/2006/main" xmlns:r="http://schemas.openxmlformats.org/officeDocument/2006/relationships" xmlns:p="http://schemas.openxmlformats.org/presentationml/2006/main">
   <p:cSld>
     <p:bg>
@@ -15320,178 +16158,7 @@
 </p:sld>
 </file>
 
-<file path=ppt/slides/slide2.xml><?xml version="1.0" encoding="utf-8"?>
-<p:sld xmlns:a="http://schemas.openxmlformats.org/drawingml/2006/main" xmlns:r="http://schemas.openxmlformats.org/officeDocument/2006/relationships" xmlns:p="http://schemas.openxmlformats.org/presentationml/2006/main">
-  <p:cSld>
-    <p:bg>
-      <p:bgPr>
-        <a:solidFill>
-          <a:schemeClr val="accent5">
-            <a:lumMod val="50000"/>
-          </a:schemeClr>
-        </a:solidFill>
-        <a:effectLst/>
-      </p:bgPr>
-    </p:bg>
-    <p:spTree>
-      <p:nvGrpSpPr>
-        <p:cNvPr id="1" name=""/>
-        <p:cNvGrpSpPr/>
-        <p:nvPr/>
-      </p:nvGrpSpPr>
-      <p:grpSpPr>
-        <a:xfrm>
-          <a:off x="0" y="0"/>
-          <a:ext cx="0" cy="0"/>
-          <a:chOff x="0" y="0"/>
-          <a:chExt cx="0" cy="0"/>
-        </a:xfrm>
-      </p:grpSpPr>
-      <p:sp>
-        <p:nvSpPr>
-          <p:cNvPr id="2" name="标题 1"/>
-          <p:cNvSpPr>
-            <a:spLocks noGrp="1"/>
-          </p:cNvSpPr>
-          <p:nvPr>
-            <p:ph type="title"/>
-          </p:nvPr>
-        </p:nvSpPr>
-        <p:spPr/>
-        <p:txBody>
-          <a:bodyPr/>
-          <a:lstStyle/>
-          <a:p>
-            <a:r>
-              <a:rPr lang="zh-CN" altLang="en-US" dirty="0" smtClean="0">
-                <a:solidFill>
-                  <a:schemeClr val="bg1"/>
-                </a:solidFill>
-              </a:rPr>
-              <a:t>授课老师</a:t>
-            </a:r>
-            <a:endParaRPr lang="zh-CN" altLang="en-US" dirty="0">
-              <a:solidFill>
-                <a:schemeClr val="bg1"/>
-              </a:solidFill>
-            </a:endParaRPr>
-          </a:p>
-        </p:txBody>
-      </p:sp>
-      <p:sp>
-        <p:nvSpPr>
-          <p:cNvPr id="3" name="内容占位符 2"/>
-          <p:cNvSpPr>
-            <a:spLocks noGrp="1"/>
-          </p:cNvSpPr>
-          <p:nvPr>
-            <p:ph idx="1"/>
-          </p:nvPr>
-        </p:nvSpPr>
-        <p:spPr/>
-        <p:txBody>
-          <a:bodyPr/>
-          <a:lstStyle/>
-          <a:p>
-            <a:r>
-              <a:rPr lang="zh-CN" altLang="en-US" dirty="0" smtClean="0">
-                <a:solidFill>
-                  <a:schemeClr val="bg1"/>
-                </a:solidFill>
-              </a:rPr>
-              <a:t>代立云  </a:t>
-            </a:r>
-            <a:endParaRPr lang="en-US" altLang="zh-CN" dirty="0" smtClean="0">
-              <a:solidFill>
-                <a:schemeClr val="bg1"/>
-              </a:solidFill>
-            </a:endParaRPr>
-          </a:p>
-          <a:p>
-            <a:endParaRPr lang="en-US" altLang="zh-CN" dirty="0">
-              <a:solidFill>
-                <a:schemeClr val="bg1"/>
-              </a:solidFill>
-            </a:endParaRPr>
-          </a:p>
-          <a:p>
-            <a:r>
-              <a:rPr lang="en-US" altLang="zh-CN" dirty="0" smtClean="0">
-                <a:solidFill>
-                  <a:schemeClr val="bg1"/>
-                </a:solidFill>
-              </a:rPr>
-              <a:t>Email:  </a:t>
-            </a:r>
-            <a:r>
-              <a:rPr lang="en-US" altLang="zh-CN" u="sng" dirty="0" smtClean="0">
-                <a:solidFill>
-                  <a:srgbClr val="FF0000"/>
-                </a:solidFill>
-                <a:hlinkClick r:id="rId2"/>
-              </a:rPr>
-              <a:t>dailiyun@swu.edu.cn</a:t>
-            </a:r>
-            <a:endParaRPr lang="en-US" altLang="zh-CN" u="sng" dirty="0">
-              <a:solidFill>
-                <a:srgbClr val="FF0000"/>
-              </a:solidFill>
-            </a:endParaRPr>
-          </a:p>
-          <a:p>
-            <a:endParaRPr lang="en-US" altLang="zh-CN" dirty="0" smtClean="0">
-              <a:solidFill>
-                <a:schemeClr val="bg1"/>
-              </a:solidFill>
-            </a:endParaRPr>
-          </a:p>
-          <a:p>
-            <a:r>
-              <a:rPr lang="en-US" altLang="zh-CN" dirty="0" smtClean="0">
-                <a:solidFill>
-                  <a:schemeClr val="bg1"/>
-                </a:solidFill>
-              </a:rPr>
-              <a:t>Homepage: </a:t>
-            </a:r>
-            <a:r>
-              <a:rPr lang="en-US" altLang="zh-CN" dirty="0">
-                <a:solidFill>
-                  <a:schemeClr val="bg1"/>
-                </a:solidFill>
-                <a:hlinkClick r:id="rId3"/>
-              </a:rPr>
-              <a:t>http://www.swu-rise.net.cn/#/peopleInfo/teacher?id=25</a:t>
-            </a:r>
-            <a:endParaRPr lang="en-US" altLang="zh-CN" dirty="0">
-              <a:solidFill>
-                <a:schemeClr val="bg1"/>
-              </a:solidFill>
-            </a:endParaRPr>
-          </a:p>
-          <a:p>
-            <a:endParaRPr lang="zh-CN" altLang="en-US" dirty="0">
-              <a:solidFill>
-                <a:schemeClr val="bg1"/>
-              </a:solidFill>
-            </a:endParaRPr>
-          </a:p>
-        </p:txBody>
-      </p:sp>
-    </p:spTree>
-    <p:extLst>
-      <p:ext uri="{BB962C8B-B14F-4D97-AF65-F5344CB8AC3E}">
-        <p14:creationId xmlns:p14="http://schemas.microsoft.com/office/powerpoint/2010/main" val="2896130960"/>
-      </p:ext>
-    </p:extLst>
-  </p:cSld>
-  <p:clrMapOvr>
-    <a:masterClrMapping/>
-  </p:clrMapOvr>
-</p:sld>
-</file>
-
-<file path=ppt/slides/slide20.xml><?xml version="1.0" encoding="utf-8"?>
+<file path=ppt/slides/slide21.xml><?xml version="1.0" encoding="utf-8"?>
 <p:sld xmlns:a="http://schemas.openxmlformats.org/drawingml/2006/main" xmlns:r="http://schemas.openxmlformats.org/officeDocument/2006/relationships" xmlns:p="http://schemas.openxmlformats.org/presentationml/2006/main">
   <p:cSld>
     <p:bg>
@@ -15858,7 +16525,7 @@
 </p:sld>
 </file>
 
-<file path=ppt/slides/slide21.xml><?xml version="1.0" encoding="utf-8"?>
+<file path=ppt/slides/slide22.xml><?xml version="1.0" encoding="utf-8"?>
 <p:sld xmlns:a="http://schemas.openxmlformats.org/drawingml/2006/main" xmlns:r="http://schemas.openxmlformats.org/officeDocument/2006/relationships" xmlns:p="http://schemas.openxmlformats.org/presentationml/2006/main">
   <p:cSld>
     <p:bg>
@@ -17470,7 +18137,7 @@
 </p:sld>
 </file>
 
-<file path=ppt/slides/slide22.xml><?xml version="1.0" encoding="utf-8"?>
+<file path=ppt/slides/slide23.xml><?xml version="1.0" encoding="utf-8"?>
 <p:sld xmlns:a="http://schemas.openxmlformats.org/drawingml/2006/main" xmlns:r="http://schemas.openxmlformats.org/officeDocument/2006/relationships" xmlns:p="http://schemas.openxmlformats.org/presentationml/2006/main">
   <p:cSld>
     <p:bg>
@@ -17847,7 +18514,7 @@
 </p:sld>
 </file>
 
-<file path=ppt/slides/slide23.xml><?xml version="1.0" encoding="utf-8"?>
+<file path=ppt/slides/slide24.xml><?xml version="1.0" encoding="utf-8"?>
 <p:sld xmlns:a="http://schemas.openxmlformats.org/drawingml/2006/main" xmlns:r="http://schemas.openxmlformats.org/officeDocument/2006/relationships" xmlns:p="http://schemas.openxmlformats.org/presentationml/2006/main">
   <p:cSld>
     <p:bg>
@@ -18959,14 +19626,14 @@
           </a:ln>
           <a:extLst>
             <a:ext uri="{909E8E84-426E-40dd-AFC4-6F175D3DCCD1}">
-              <a14:hiddenFill xmlns:a14="http://schemas.microsoft.com/office/drawing/2010/main" xmlns="">
+              <a14:hiddenFill xmlns="" xmlns:a14="http://schemas.microsoft.com/office/drawing/2010/main">
                 <a:solidFill>
                   <a:srgbClr val="FFFFFF"/>
                 </a:solidFill>
               </a14:hiddenFill>
             </a:ext>
             <a:ext uri="{91240B29-F687-4f45-9708-019B960494DF}">
-              <a14:hiddenLine xmlns:a14="http://schemas.microsoft.com/office/drawing/2010/main" xmlns="" w="9525">
+              <a14:hiddenLine xmlns="" xmlns:a14="http://schemas.microsoft.com/office/drawing/2010/main" w="9525">
                 <a:solidFill>
                   <a:srgbClr val="000000"/>
                 </a:solidFill>
@@ -23254,14 +23921,14 @@
           </a:ln>
           <a:extLst>
             <a:ext uri="{909E8E84-426E-40dd-AFC4-6F175D3DCCD1}">
-              <a14:hiddenFill xmlns:a14="http://schemas.microsoft.com/office/drawing/2010/main" xmlns="">
+              <a14:hiddenFill xmlns="" xmlns:a14="http://schemas.microsoft.com/office/drawing/2010/main">
                 <a:solidFill>
                   <a:srgbClr val="FFFFFF"/>
                 </a:solidFill>
               </a14:hiddenFill>
             </a:ext>
             <a:ext uri="{91240B29-F687-4f45-9708-019B960494DF}">
-              <a14:hiddenLine xmlns:a14="http://schemas.microsoft.com/office/drawing/2010/main" xmlns="" w="9525">
+              <a14:hiddenLine xmlns="" xmlns:a14="http://schemas.microsoft.com/office/drawing/2010/main" w="9525">
                 <a:solidFill>
                   <a:srgbClr val="000000"/>
                 </a:solidFill>
@@ -23460,14 +24127,14 @@
           </a:ln>
           <a:extLst>
             <a:ext uri="{909E8E84-426E-40dd-AFC4-6F175D3DCCD1}">
-              <a14:hiddenFill xmlns:a14="http://schemas.microsoft.com/office/drawing/2010/main" xmlns="">
+              <a14:hiddenFill xmlns="" xmlns:a14="http://schemas.microsoft.com/office/drawing/2010/main">
                 <a:solidFill>
                   <a:srgbClr val="FFFFFF"/>
                 </a:solidFill>
               </a14:hiddenFill>
             </a:ext>
             <a:ext uri="{91240B29-F687-4f45-9708-019B960494DF}">
-              <a14:hiddenLine xmlns:a14="http://schemas.microsoft.com/office/drawing/2010/main" xmlns="" w="9525">
+              <a14:hiddenLine xmlns="" xmlns:a14="http://schemas.microsoft.com/office/drawing/2010/main" w="9525">
                 <a:solidFill>
                   <a:srgbClr val="000000"/>
                 </a:solidFill>
@@ -23697,14 +24364,14 @@
           </a:ln>
           <a:extLst>
             <a:ext uri="{909E8E84-426E-40dd-AFC4-6F175D3DCCD1}">
-              <a14:hiddenFill xmlns:a14="http://schemas.microsoft.com/office/drawing/2010/main" xmlns="">
+              <a14:hiddenFill xmlns="" xmlns:a14="http://schemas.microsoft.com/office/drawing/2010/main">
                 <a:solidFill>
                   <a:srgbClr val="FFFFFF"/>
                 </a:solidFill>
               </a14:hiddenFill>
             </a:ext>
             <a:ext uri="{91240B29-F687-4f45-9708-019B960494DF}">
-              <a14:hiddenLine xmlns:a14="http://schemas.microsoft.com/office/drawing/2010/main" xmlns="" w="9525">
+              <a14:hiddenLine xmlns="" xmlns:a14="http://schemas.microsoft.com/office/drawing/2010/main" w="9525">
                 <a:solidFill>
                   <a:srgbClr val="000000"/>
                 </a:solidFill>
@@ -23944,14 +24611,14 @@
           </a:ln>
           <a:extLst>
             <a:ext uri="{909E8E84-426E-40dd-AFC4-6F175D3DCCD1}">
-              <a14:hiddenFill xmlns:a14="http://schemas.microsoft.com/office/drawing/2010/main" xmlns="">
+              <a14:hiddenFill xmlns="" xmlns:a14="http://schemas.microsoft.com/office/drawing/2010/main">
                 <a:solidFill>
                   <a:srgbClr val="FFFFFF"/>
                 </a:solidFill>
               </a14:hiddenFill>
             </a:ext>
             <a:ext uri="{91240B29-F687-4f45-9708-019B960494DF}">
-              <a14:hiddenLine xmlns:a14="http://schemas.microsoft.com/office/drawing/2010/main" xmlns="" w="9525">
+              <a14:hiddenLine xmlns="" xmlns:a14="http://schemas.microsoft.com/office/drawing/2010/main" w="9525">
                 <a:solidFill>
                   <a:srgbClr val="000000"/>
                 </a:solidFill>
@@ -24213,14 +24880,14 @@
           </a:ln>
           <a:extLst>
             <a:ext uri="{909E8E84-426E-40dd-AFC4-6F175D3DCCD1}">
-              <a14:hiddenFill xmlns:a14="http://schemas.microsoft.com/office/drawing/2010/main" xmlns="">
+              <a14:hiddenFill xmlns="" xmlns:a14="http://schemas.microsoft.com/office/drawing/2010/main">
                 <a:solidFill>
                   <a:srgbClr val="FFFFFF"/>
                 </a:solidFill>
               </a14:hiddenFill>
             </a:ext>
             <a:ext uri="{91240B29-F687-4f45-9708-019B960494DF}">
-              <a14:hiddenLine xmlns:a14="http://schemas.microsoft.com/office/drawing/2010/main" xmlns="" w="9525">
+              <a14:hiddenLine xmlns="" xmlns:a14="http://schemas.microsoft.com/office/drawing/2010/main" w="9525">
                 <a:solidFill>
                   <a:srgbClr val="000000"/>
                 </a:solidFill>
@@ -24485,14 +25152,14 @@
           </a:ln>
           <a:extLst>
             <a:ext uri="{909E8E84-426E-40dd-AFC4-6F175D3DCCD1}">
-              <a14:hiddenFill xmlns:a14="http://schemas.microsoft.com/office/drawing/2010/main" xmlns="">
+              <a14:hiddenFill xmlns="" xmlns:a14="http://schemas.microsoft.com/office/drawing/2010/main">
                 <a:solidFill>
                   <a:srgbClr val="FFFFFF"/>
                 </a:solidFill>
               </a14:hiddenFill>
             </a:ext>
             <a:ext uri="{91240B29-F687-4f45-9708-019B960494DF}">
-              <a14:hiddenLine xmlns:a14="http://schemas.microsoft.com/office/drawing/2010/main" xmlns="" w="9525">
+              <a14:hiddenLine xmlns="" xmlns:a14="http://schemas.microsoft.com/office/drawing/2010/main" w="9525">
                 <a:solidFill>
                   <a:srgbClr val="000000"/>
                 </a:solidFill>
@@ -28180,4 +28847,47 @@
     </a:ext>
   </a:extLst>
 </a:theme>
+</file>
+
+<file path=ppt/theme/themeOverride1.xml><?xml version="1.0" encoding="utf-8"?>
+<a:themeOverride xmlns:a="http://schemas.openxmlformats.org/drawingml/2006/main">
+  <a:clrScheme name="Office">
+    <a:dk1>
+      <a:sysClr val="windowText" lastClr="000000"/>
+    </a:dk1>
+    <a:lt1>
+      <a:sysClr val="window" lastClr="FFFFFF"/>
+    </a:lt1>
+    <a:dk2>
+      <a:srgbClr val="44546A"/>
+    </a:dk2>
+    <a:lt2>
+      <a:srgbClr val="E7E6E6"/>
+    </a:lt2>
+    <a:accent1>
+      <a:srgbClr val="5B9BD5"/>
+    </a:accent1>
+    <a:accent2>
+      <a:srgbClr val="ED7D31"/>
+    </a:accent2>
+    <a:accent3>
+      <a:srgbClr val="A5A5A5"/>
+    </a:accent3>
+    <a:accent4>
+      <a:srgbClr val="FFC000"/>
+    </a:accent4>
+    <a:accent5>
+      <a:srgbClr val="4472C4"/>
+    </a:accent5>
+    <a:accent6>
+      <a:srgbClr val="70AD47"/>
+    </a:accent6>
+    <a:hlink>
+      <a:srgbClr val="0563C1"/>
+    </a:hlink>
+    <a:folHlink>
+      <a:srgbClr val="954F72"/>
+    </a:folHlink>
+  </a:clrScheme>
+</a:themeOverride>
 </file>